--- a/1-1.課堂規定及評量標準.pptx
+++ b/1-1.課堂規定及評量標準.pptx
@@ -203,7 +203,7 @@
           <a:p>
             <a:fld id="{31A8676C-D457-4A0B-9C91-83939419494E}" type="datetimeFigureOut">
               <a:rPr lang="zh-TW" altLang="en-US" smtClean="0"/>
-              <a:t>2025/9/1</a:t>
+              <a:t>2025/9/4</a:t>
             </a:fld>
             <a:endParaRPr lang="zh-TW" altLang="en-US"/>
           </a:p>
@@ -691,7 +691,7 @@
           <a:p>
             <a:fld id="{6930F9A4-4469-4216-8732-74830AAB3356}" type="datetimeFigureOut">
               <a:rPr lang="zh-TW" altLang="en-US" smtClean="0"/>
-              <a:t>2025/9/1</a:t>
+              <a:t>2025/9/4</a:t>
             </a:fld>
             <a:endParaRPr lang="zh-TW" altLang="en-US"/>
           </a:p>
@@ -861,7 +861,7 @@
           <a:p>
             <a:fld id="{6930F9A4-4469-4216-8732-74830AAB3356}" type="datetimeFigureOut">
               <a:rPr lang="zh-TW" altLang="en-US" smtClean="0"/>
-              <a:t>2025/9/1</a:t>
+              <a:t>2025/9/4</a:t>
             </a:fld>
             <a:endParaRPr lang="zh-TW" altLang="en-US"/>
           </a:p>
@@ -1041,7 +1041,7 @@
           <a:p>
             <a:fld id="{6930F9A4-4469-4216-8732-74830AAB3356}" type="datetimeFigureOut">
               <a:rPr lang="zh-TW" altLang="en-US" smtClean="0"/>
-              <a:t>2025/9/1</a:t>
+              <a:t>2025/9/4</a:t>
             </a:fld>
             <a:endParaRPr lang="zh-TW" altLang="en-US"/>
           </a:p>
@@ -1211,7 +1211,7 @@
           <a:p>
             <a:fld id="{6930F9A4-4469-4216-8732-74830AAB3356}" type="datetimeFigureOut">
               <a:rPr lang="zh-TW" altLang="en-US" smtClean="0"/>
-              <a:t>2025/9/1</a:t>
+              <a:t>2025/9/4</a:t>
             </a:fld>
             <a:endParaRPr lang="zh-TW" altLang="en-US"/>
           </a:p>
@@ -1457,7 +1457,7 @@
           <a:p>
             <a:fld id="{6930F9A4-4469-4216-8732-74830AAB3356}" type="datetimeFigureOut">
               <a:rPr lang="zh-TW" altLang="en-US" smtClean="0"/>
-              <a:t>2025/9/1</a:t>
+              <a:t>2025/9/4</a:t>
             </a:fld>
             <a:endParaRPr lang="zh-TW" altLang="en-US"/>
           </a:p>
@@ -1689,7 +1689,7 @@
           <a:p>
             <a:fld id="{6930F9A4-4469-4216-8732-74830AAB3356}" type="datetimeFigureOut">
               <a:rPr lang="zh-TW" altLang="en-US" smtClean="0"/>
-              <a:t>2025/9/1</a:t>
+              <a:t>2025/9/4</a:t>
             </a:fld>
             <a:endParaRPr lang="zh-TW" altLang="en-US"/>
           </a:p>
@@ -2056,7 +2056,7 @@
           <a:p>
             <a:fld id="{6930F9A4-4469-4216-8732-74830AAB3356}" type="datetimeFigureOut">
               <a:rPr lang="zh-TW" altLang="en-US" smtClean="0"/>
-              <a:t>2025/9/1</a:t>
+              <a:t>2025/9/4</a:t>
             </a:fld>
             <a:endParaRPr lang="zh-TW" altLang="en-US"/>
           </a:p>
@@ -2174,7 +2174,7 @@
           <a:p>
             <a:fld id="{6930F9A4-4469-4216-8732-74830AAB3356}" type="datetimeFigureOut">
               <a:rPr lang="zh-TW" altLang="en-US" smtClean="0"/>
-              <a:t>2025/9/1</a:t>
+              <a:t>2025/9/4</a:t>
             </a:fld>
             <a:endParaRPr lang="zh-TW" altLang="en-US"/>
           </a:p>
@@ -2269,7 +2269,7 @@
           <a:p>
             <a:fld id="{6930F9A4-4469-4216-8732-74830AAB3356}" type="datetimeFigureOut">
               <a:rPr lang="zh-TW" altLang="en-US" smtClean="0"/>
-              <a:t>2025/9/1</a:t>
+              <a:t>2025/9/4</a:t>
             </a:fld>
             <a:endParaRPr lang="zh-TW" altLang="en-US"/>
           </a:p>
@@ -2546,7 +2546,7 @@
           <a:p>
             <a:fld id="{6930F9A4-4469-4216-8732-74830AAB3356}" type="datetimeFigureOut">
               <a:rPr lang="zh-TW" altLang="en-US" smtClean="0"/>
-              <a:t>2025/9/1</a:t>
+              <a:t>2025/9/4</a:t>
             </a:fld>
             <a:endParaRPr lang="zh-TW" altLang="en-US"/>
           </a:p>
@@ -2799,7 +2799,7 @@
           <a:p>
             <a:fld id="{6930F9A4-4469-4216-8732-74830AAB3356}" type="datetimeFigureOut">
               <a:rPr lang="zh-TW" altLang="en-US" smtClean="0"/>
-              <a:t>2025/9/1</a:t>
+              <a:t>2025/9/4</a:t>
             </a:fld>
             <a:endParaRPr lang="zh-TW" altLang="en-US"/>
           </a:p>
@@ -3012,7 +3012,7 @@
           <a:p>
             <a:fld id="{6930F9A4-4469-4216-8732-74830AAB3356}" type="datetimeFigureOut">
               <a:rPr lang="zh-TW" altLang="en-US" smtClean="0"/>
-              <a:t>2025/9/1</a:t>
+              <a:t>2025/9/4</a:t>
             </a:fld>
             <a:endParaRPr lang="zh-TW" altLang="en-US"/>
           </a:p>
@@ -3521,17 +3521,7 @@
                 <a:latin typeface="標楷體" panose="03000509000000000000" pitchFamily="65" charset="-120"/>
                 <a:ea typeface="標楷體" panose="03000509000000000000" pitchFamily="65" charset="-120"/>
               </a:rPr>
-              <a:t>學年</a:t>
-            </a:r>
-            <a:r>
-              <a:rPr lang="zh-TW" altLang="en-US" sz="2800" dirty="0" smtClean="0">
-                <a:solidFill>
-                  <a:srgbClr val="FF0000"/>
-                </a:solidFill>
-                <a:latin typeface="標楷體" panose="03000509000000000000" pitchFamily="65" charset="-120"/>
-                <a:ea typeface="標楷體" panose="03000509000000000000" pitchFamily="65" charset="-120"/>
-              </a:rPr>
-              <a:t>上學期</a:t>
+              <a:t>學年上學期</a:t>
             </a:r>
             <a:r>
               <a:rPr lang="en-US" altLang="zh-TW" sz="2800" dirty="0" smtClean="0">
@@ -3649,10 +3639,10 @@
         </p:nvGrpSpPr>
         <p:grpSpPr bwMode="auto">
           <a:xfrm>
-            <a:off x="3045125" y="1846696"/>
-            <a:ext cx="5929312" cy="4138613"/>
-            <a:chOff x="1141" y="1254"/>
-            <a:chExt cx="3296" cy="2301"/>
+            <a:off x="3045125" y="1843098"/>
+            <a:ext cx="5929312" cy="4142210"/>
+            <a:chOff x="1141" y="1252"/>
+            <a:chExt cx="3296" cy="2303"/>
           </a:xfrm>
         </p:grpSpPr>
         <p:sp>
@@ -3713,7 +3703,7 @@
               <a:r>
                 <a:rPr lang="zh-TW" altLang="en-US" sz="2400" b="1" dirty="0">
                   <a:solidFill>
-                    <a:srgbClr val="0000FF"/>
+                    <a:schemeClr val="bg1"/>
                   </a:solidFill>
                   <a:latin typeface="標楷體" panose="03000509000000000000" pitchFamily="65" charset="-120"/>
                   <a:ea typeface="標楷體" panose="03000509000000000000" pitchFamily="65" charset="-120"/>
@@ -3723,7 +3713,7 @@
               <a:r>
                 <a:rPr lang="en-US" altLang="zh-TW" sz="2400" b="1" dirty="0">
                   <a:solidFill>
-                    <a:srgbClr val="0000FF"/>
+                    <a:schemeClr val="bg1"/>
                   </a:solidFill>
                   <a:latin typeface="標楷體" panose="03000509000000000000" pitchFamily="65" charset="-120"/>
                   <a:ea typeface="標楷體" panose="03000509000000000000" pitchFamily="65" charset="-120"/>
@@ -3733,7 +3723,7 @@
               <a:r>
                 <a:rPr lang="zh-TW" altLang="en-US" sz="2400" b="1" dirty="0" smtClean="0">
                   <a:solidFill>
-                    <a:srgbClr val="0000FF"/>
+                    <a:schemeClr val="bg1"/>
                   </a:solidFill>
                   <a:latin typeface="標楷體" panose="03000509000000000000" pitchFamily="65" charset="-120"/>
                   <a:ea typeface="標楷體" panose="03000509000000000000" pitchFamily="65" charset="-120"/>
@@ -3742,7 +3732,7 @@
               </a:r>
               <a:endParaRPr lang="en-US" altLang="zh-TW" sz="2400" b="1" dirty="0">
                 <a:solidFill>
-                  <a:srgbClr val="0000FF"/>
+                  <a:schemeClr val="bg1"/>
                 </a:solidFill>
                 <a:latin typeface="標楷體" panose="03000509000000000000" pitchFamily="65" charset="-120"/>
                 <a:ea typeface="標楷體" panose="03000509000000000000" pitchFamily="65" charset="-120"/>
@@ -3760,7 +3750,7 @@
               <a:r>
                 <a:rPr lang="en-US" altLang="zh-TW" sz="2400" b="1" dirty="0" smtClean="0">
                   <a:solidFill>
-                    <a:srgbClr val="0000FF"/>
+                    <a:schemeClr val="bg1"/>
                   </a:solidFill>
                   <a:latin typeface="標楷體" panose="03000509000000000000" pitchFamily="65" charset="-120"/>
                   <a:ea typeface="標楷體" panose="03000509000000000000" pitchFamily="65" charset="-120"/>
@@ -3769,7 +3759,7 @@
               </a:r>
               <a:endParaRPr lang="zh-TW" altLang="zh-TW" sz="2400" b="1" dirty="0">
                 <a:solidFill>
-                  <a:srgbClr val="0000FF"/>
+                  <a:schemeClr val="bg1"/>
                 </a:solidFill>
                 <a:latin typeface="標楷體" panose="03000509000000000000" pitchFamily="65" charset="-120"/>
                 <a:ea typeface="標楷體" panose="03000509000000000000" pitchFamily="65" charset="-120"/>
@@ -3787,7 +3777,7 @@
           </p:nvSpPr>
           <p:spPr bwMode="gray">
             <a:xfrm>
-              <a:off x="2202" y="1912"/>
+              <a:off x="3186" y="1252"/>
               <a:ext cx="1175" cy="1015"/>
             </a:xfrm>
             <a:prstGeom prst="hexagon">
@@ -3902,7 +3892,7 @@
           </p:nvSpPr>
           <p:spPr bwMode="gray">
             <a:xfrm>
-              <a:off x="3186" y="1254"/>
+              <a:off x="2164" y="1879"/>
               <a:ext cx="1251" cy="1081"/>
             </a:xfrm>
             <a:prstGeom prst="hexagon">
@@ -4335,57 +4325,72 @@
           <a:p>
             <a:pPr algn="ctr"/>
             <a:r>
-              <a:rPr lang="zh-TW" altLang="en-US" dirty="0" smtClean="0"/>
+              <a:rPr lang="zh-TW" altLang="en-US" dirty="0" smtClean="0">
+                <a:latin typeface="標楷體" panose="03000509000000000000" pitchFamily="65" charset="-120"/>
+                <a:ea typeface="標楷體" panose="03000509000000000000" pitchFamily="65" charset="-120"/>
+              </a:rPr>
               <a:t>掃毒</a:t>
             </a:r>
             <a:r>
-              <a:rPr lang="en-US" altLang="zh-TW" dirty="0" smtClean="0"/>
+              <a:rPr lang="en-US" altLang="zh-TW" dirty="0" smtClean="0">
+                <a:latin typeface="標楷體" panose="03000509000000000000" pitchFamily="65" charset="-120"/>
+                <a:ea typeface="標楷體" panose="03000509000000000000" pitchFamily="65" charset="-120"/>
+              </a:rPr>
               <a:t>Scan virus(</a:t>
             </a:r>
             <a:r>
-              <a:rPr lang="zh-TW" altLang="en-US" dirty="0" smtClean="0"/>
+              <a:rPr lang="zh-TW" altLang="en-US" dirty="0" smtClean="0">
+                <a:latin typeface="標楷體" panose="03000509000000000000" pitchFamily="65" charset="-120"/>
+                <a:ea typeface="標楷體" panose="03000509000000000000" pitchFamily="65" charset="-120"/>
+              </a:rPr>
               <a:t>防火牆</a:t>
             </a:r>
             <a:r>
-              <a:rPr lang="en-US" altLang="zh-TW" dirty="0" smtClean="0"/>
+              <a:rPr lang="en-US" altLang="zh-TW" dirty="0" smtClean="0">
+                <a:latin typeface="標楷體" panose="03000509000000000000" pitchFamily="65" charset="-120"/>
+                <a:ea typeface="標楷體" panose="03000509000000000000" pitchFamily="65" charset="-120"/>
+              </a:rPr>
               <a:t>)</a:t>
             </a:r>
             <a:r>
               <a:rPr lang="zh-TW" altLang="en-US" dirty="0" smtClean="0">
-                <a:latin typeface="PMingLiU" panose="02020500000000000000" pitchFamily="18" charset="-120"/>
-                <a:ea typeface="PMingLiU" panose="02020500000000000000" pitchFamily="18" charset="-120"/>
+                <a:latin typeface="標楷體" panose="03000509000000000000" pitchFamily="65" charset="-120"/>
+                <a:ea typeface="標楷體" panose="03000509000000000000" pitchFamily="65" charset="-120"/>
               </a:rPr>
               <a:t>、</a:t>
             </a:r>
             <a:r>
               <a:rPr lang="en-US" altLang="zh-TW" dirty="0" smtClean="0">
-                <a:latin typeface="PMingLiU" panose="02020500000000000000" pitchFamily="18" charset="-120"/>
-                <a:ea typeface="PMingLiU" panose="02020500000000000000" pitchFamily="18" charset="-120"/>
+                <a:latin typeface="標楷體" panose="03000509000000000000" pitchFamily="65" charset="-120"/>
+                <a:ea typeface="標楷體" panose="03000509000000000000" pitchFamily="65" charset="-120"/>
               </a:rPr>
               <a:t>Web</a:t>
             </a:r>
             <a:r>
               <a:rPr lang="zh-TW" altLang="en-US" dirty="0" smtClean="0">
-                <a:latin typeface="PMingLiU" panose="02020500000000000000" pitchFamily="18" charset="-120"/>
-                <a:ea typeface="PMingLiU" panose="02020500000000000000" pitchFamily="18" charset="-120"/>
+                <a:latin typeface="標楷體" panose="03000509000000000000" pitchFamily="65" charset="-120"/>
+                <a:ea typeface="標楷體" panose="03000509000000000000" pitchFamily="65" charset="-120"/>
               </a:rPr>
               <a:t>程式掛上</a:t>
             </a:r>
             <a:r>
               <a:rPr lang="en-US" altLang="zh-TW" dirty="0" smtClean="0">
-                <a:latin typeface="PMingLiU" panose="02020500000000000000" pitchFamily="18" charset="-120"/>
-                <a:ea typeface="PMingLiU" panose="02020500000000000000" pitchFamily="18" charset="-120"/>
+                <a:latin typeface="標楷體" panose="03000509000000000000" pitchFamily="65" charset="-120"/>
+                <a:ea typeface="標楷體" panose="03000509000000000000" pitchFamily="65" charset="-120"/>
               </a:rPr>
               <a:t>IIS</a:t>
             </a:r>
             <a:r>
               <a:rPr lang="zh-TW" altLang="en-US" dirty="0" smtClean="0">
-                <a:latin typeface="PMingLiU" panose="02020500000000000000" pitchFamily="18" charset="-120"/>
-                <a:ea typeface="PMingLiU" panose="02020500000000000000" pitchFamily="18" charset="-120"/>
+                <a:latin typeface="標楷體" panose="03000509000000000000" pitchFamily="65" charset="-120"/>
+                <a:ea typeface="標楷體" panose="03000509000000000000" pitchFamily="65" charset="-120"/>
               </a:rPr>
               <a:t>、產生憑證請求檔</a:t>
             </a:r>
-            <a:endParaRPr lang="zh-TW" altLang="en-US" dirty="0"/>
+            <a:endParaRPr lang="zh-TW" altLang="en-US" dirty="0">
+              <a:latin typeface="標楷體" panose="03000509000000000000" pitchFamily="65" charset="-120"/>
+              <a:ea typeface="標楷體" panose="03000509000000000000" pitchFamily="65" charset="-120"/>
+            </a:endParaRPr>
           </a:p>
         </p:txBody>
       </p:sp>
@@ -4567,6 +4572,97 @@
               </a:rPr>
               <a:t>遲到</a:t>
             </a:r>
+            <a:endParaRPr lang="en-US" altLang="zh-TW" sz="3200" dirty="0" smtClean="0">
+              <a:solidFill>
+                <a:srgbClr val="FF0000"/>
+              </a:solidFill>
+              <a:latin typeface="標楷體" panose="03000509000000000000" pitchFamily="65" charset="-120"/>
+              <a:ea typeface="標楷體" panose="03000509000000000000" pitchFamily="65" charset="-120"/>
+            </a:endParaRPr>
+          </a:p>
+          <a:p>
+            <a:r>
+              <a:rPr lang="en-US" altLang="zh-TW" sz="3200" dirty="0">
+                <a:solidFill>
+                  <a:srgbClr val="0000FF"/>
+                </a:solidFill>
+                <a:latin typeface="標楷體" panose="03000509000000000000" pitchFamily="65" charset="-120"/>
+                <a:ea typeface="標楷體" panose="03000509000000000000" pitchFamily="65" charset="-120"/>
+              </a:rPr>
+              <a:t>1/3 (</a:t>
+            </a:r>
+            <a:r>
+              <a:rPr lang="zh-TW" altLang="en-US" sz="3200" dirty="0">
+                <a:solidFill>
+                  <a:srgbClr val="0000FF"/>
+                </a:solidFill>
+                <a:latin typeface="標楷體" panose="03000509000000000000" pitchFamily="65" charset="-120"/>
+                <a:ea typeface="標楷體" panose="03000509000000000000" pitchFamily="65" charset="-120"/>
+              </a:rPr>
+              <a:t>含</a:t>
+            </a:r>
+            <a:r>
+              <a:rPr lang="en-US" altLang="zh-TW" sz="3200" dirty="0">
+                <a:solidFill>
+                  <a:srgbClr val="0000FF"/>
+                </a:solidFill>
+                <a:latin typeface="標楷體" panose="03000509000000000000" pitchFamily="65" charset="-120"/>
+                <a:ea typeface="標楷體" panose="03000509000000000000" pitchFamily="65" charset="-120"/>
+              </a:rPr>
+              <a:t>)</a:t>
+            </a:r>
+            <a:r>
+              <a:rPr lang="zh-TW" altLang="en-US" sz="3200" dirty="0">
+                <a:solidFill>
+                  <a:srgbClr val="0000FF"/>
+                </a:solidFill>
+                <a:latin typeface="標楷體" panose="03000509000000000000" pitchFamily="65" charset="-120"/>
+                <a:ea typeface="標楷體" panose="03000509000000000000" pitchFamily="65" charset="-120"/>
+              </a:rPr>
+              <a:t>以上未出席課程無法給予學分</a:t>
+            </a:r>
+            <a:r>
+              <a:rPr lang="zh-TW" altLang="en-US" sz="3200" dirty="0">
+                <a:latin typeface="標楷體" panose="03000509000000000000" pitchFamily="65" charset="-120"/>
+                <a:ea typeface="標楷體" panose="03000509000000000000" pitchFamily="65" charset="-120"/>
+              </a:rPr>
+              <a:t>，</a:t>
+            </a:r>
+            <a:r>
+              <a:rPr lang="en-US" altLang="zh-TW" sz="3200" dirty="0">
+                <a:latin typeface="標楷體" panose="03000509000000000000" pitchFamily="65" charset="-120"/>
+                <a:ea typeface="標楷體" panose="03000509000000000000" pitchFamily="65" charset="-120"/>
+              </a:rPr>
+              <a:t>2</a:t>
+            </a:r>
+            <a:r>
+              <a:rPr lang="zh-TW" altLang="en-US" sz="3200" dirty="0">
+                <a:latin typeface="標楷體" panose="03000509000000000000" pitchFamily="65" charset="-120"/>
+                <a:ea typeface="標楷體" panose="03000509000000000000" pitchFamily="65" charset="-120"/>
+              </a:rPr>
+              <a:t>次遲到算</a:t>
+            </a:r>
+            <a:r>
+              <a:rPr lang="en-US" altLang="zh-TW" sz="3200" dirty="0">
+                <a:latin typeface="標楷體" panose="03000509000000000000" pitchFamily="65" charset="-120"/>
+                <a:ea typeface="標楷體" panose="03000509000000000000" pitchFamily="65" charset="-120"/>
+              </a:rPr>
+              <a:t>1</a:t>
+            </a:r>
+            <a:r>
+              <a:rPr lang="zh-TW" altLang="en-US" sz="3200" dirty="0">
+                <a:latin typeface="標楷體" panose="03000509000000000000" pitchFamily="65" charset="-120"/>
+                <a:ea typeface="標楷體" panose="03000509000000000000" pitchFamily="65" charset="-120"/>
+              </a:rPr>
+              <a:t>次未到</a:t>
+            </a:r>
+            <a:r>
+              <a:rPr lang="zh-TW" altLang="en-US" sz="3200" dirty="0" smtClean="0">
+                <a:latin typeface="標楷體" panose="03000509000000000000" pitchFamily="65" charset="-120"/>
+                <a:ea typeface="標楷體" panose="03000509000000000000" pitchFamily="65" charset="-120"/>
+              </a:rPr>
+              <a:t>課</a:t>
+            </a:r>
             <a:endParaRPr lang="en-US" altLang="zh-TW" sz="3200" dirty="0">
               <a:solidFill>
                 <a:srgbClr val="FF0000"/>
@@ -4594,7 +4690,35 @@
                 <a:latin typeface="標楷體" panose="03000509000000000000" pitchFamily="65" charset="-120"/>
                 <a:ea typeface="標楷體" panose="03000509000000000000" pitchFamily="65" charset="-120"/>
               </a:rPr>
-              <a:t>想睡覺的，建議洗臉</a:t>
+              <a:t>想睡覺</a:t>
+            </a:r>
+            <a:r>
+              <a:rPr lang="zh-TW" altLang="en-US" sz="3200" dirty="0" smtClean="0">
+                <a:latin typeface="標楷體" panose="03000509000000000000" pitchFamily="65" charset="-120"/>
+                <a:ea typeface="標楷體" panose="03000509000000000000" pitchFamily="65" charset="-120"/>
+              </a:rPr>
+              <a:t>的</a:t>
+            </a:r>
+            <a:r>
+              <a:rPr lang="en-US" altLang="zh-TW" sz="3200" dirty="0" smtClean="0">
+                <a:latin typeface="標楷體" panose="03000509000000000000" pitchFamily="65" charset="-120"/>
+                <a:ea typeface="標楷體" panose="03000509000000000000" pitchFamily="65" charset="-120"/>
+              </a:rPr>
+              <a:t>:</a:t>
+            </a:r>
+            <a:r>
+              <a:rPr lang="zh-TW" altLang="en-US" sz="3200" dirty="0" smtClean="0">
+                <a:latin typeface="標楷體" panose="03000509000000000000" pitchFamily="65" charset="-120"/>
+                <a:ea typeface="標楷體" panose="03000509000000000000" pitchFamily="65" charset="-120"/>
+              </a:rPr>
+              <a:t>建議</a:t>
+            </a:r>
+            <a:r>
+              <a:rPr lang="zh-TW" altLang="en-US" sz="3200" dirty="0" smtClean="0">
+                <a:latin typeface="標楷體" panose="03000509000000000000" pitchFamily="65" charset="-120"/>
+                <a:ea typeface="標楷體" panose="03000509000000000000" pitchFamily="65" charset="-120"/>
+              </a:rPr>
+              <a:t>洗臉</a:t>
             </a:r>
             <a:r>
               <a:rPr lang="zh-TW" altLang="en-US" sz="3200" dirty="0" smtClean="0">
@@ -4629,7 +4753,7 @@
                 <a:latin typeface="標楷體" panose="03000509000000000000" pitchFamily="65" charset="-120"/>
                 <a:ea typeface="標楷體" panose="03000509000000000000" pitchFamily="65" charset="-120"/>
               </a:rPr>
-              <a:t>或</a:t>
+              <a:t>或經同意</a:t>
             </a:r>
             <a:r>
               <a:rPr lang="en-US" altLang="zh-TW" sz="3200" dirty="0" smtClean="0">
@@ -4667,117 +4791,6 @@
             </a:endParaRPr>
           </a:p>
           <a:p>
-            <a:r>
-              <a:rPr lang="en-US" altLang="zh-TW" sz="3200" dirty="0">
-                <a:solidFill>
-                  <a:srgbClr val="0000FF"/>
-                </a:solidFill>
-                <a:latin typeface="標楷體" panose="03000509000000000000" pitchFamily="65" charset="-120"/>
-                <a:ea typeface="標楷體" panose="03000509000000000000" pitchFamily="65" charset="-120"/>
-              </a:rPr>
-              <a:t>1/3 (</a:t>
-            </a:r>
-            <a:r>
-              <a:rPr lang="zh-TW" altLang="en-US" sz="3200" dirty="0">
-                <a:solidFill>
-                  <a:srgbClr val="0000FF"/>
-                </a:solidFill>
-                <a:latin typeface="標楷體" panose="03000509000000000000" pitchFamily="65" charset="-120"/>
-                <a:ea typeface="標楷體" panose="03000509000000000000" pitchFamily="65" charset="-120"/>
-              </a:rPr>
-              <a:t>含</a:t>
-            </a:r>
-            <a:r>
-              <a:rPr lang="en-US" altLang="zh-TW" sz="3200" dirty="0">
-                <a:solidFill>
-                  <a:srgbClr val="0000FF"/>
-                </a:solidFill>
-                <a:latin typeface="標楷體" panose="03000509000000000000" pitchFamily="65" charset="-120"/>
-                <a:ea typeface="標楷體" panose="03000509000000000000" pitchFamily="65" charset="-120"/>
-              </a:rPr>
-              <a:t>)</a:t>
-            </a:r>
-            <a:r>
-              <a:rPr lang="zh-TW" altLang="en-US" sz="3200" dirty="0">
-                <a:solidFill>
-                  <a:srgbClr val="0000FF"/>
-                </a:solidFill>
-                <a:latin typeface="標楷體" panose="03000509000000000000" pitchFamily="65" charset="-120"/>
-                <a:ea typeface="標楷體" panose="03000509000000000000" pitchFamily="65" charset="-120"/>
-              </a:rPr>
-              <a:t>以上未</a:t>
-            </a:r>
-            <a:r>
-              <a:rPr lang="zh-TW" altLang="en-US" sz="3200" dirty="0" smtClean="0">
-                <a:solidFill>
-                  <a:srgbClr val="0000FF"/>
-                </a:solidFill>
-                <a:latin typeface="標楷體" panose="03000509000000000000" pitchFamily="65" charset="-120"/>
-                <a:ea typeface="標楷體" panose="03000509000000000000" pitchFamily="65" charset="-120"/>
-              </a:rPr>
-              <a:t>出席課程無法</a:t>
-            </a:r>
-            <a:r>
-              <a:rPr lang="zh-TW" altLang="en-US" sz="3200" dirty="0">
-                <a:solidFill>
-                  <a:srgbClr val="0000FF"/>
-                </a:solidFill>
-                <a:latin typeface="標楷體" panose="03000509000000000000" pitchFamily="65" charset="-120"/>
-                <a:ea typeface="標楷體" panose="03000509000000000000" pitchFamily="65" charset="-120"/>
-              </a:rPr>
-              <a:t>給予</a:t>
-            </a:r>
-            <a:r>
-              <a:rPr lang="zh-TW" altLang="en-US" sz="3200" dirty="0" smtClean="0">
-                <a:solidFill>
-                  <a:srgbClr val="0000FF"/>
-                </a:solidFill>
-                <a:latin typeface="標楷體" panose="03000509000000000000" pitchFamily="65" charset="-120"/>
-                <a:ea typeface="標楷體" panose="03000509000000000000" pitchFamily="65" charset="-120"/>
-              </a:rPr>
-              <a:t>學分</a:t>
-            </a:r>
-            <a:r>
-              <a:rPr lang="zh-TW" altLang="en-US" sz="3200" dirty="0" smtClean="0">
-                <a:latin typeface="標楷體" panose="03000509000000000000" pitchFamily="65" charset="-120"/>
-                <a:ea typeface="標楷體" panose="03000509000000000000" pitchFamily="65" charset="-120"/>
-              </a:rPr>
-              <a:t>，</a:t>
-            </a:r>
-            <a:r>
-              <a:rPr lang="en-US" altLang="zh-TW" sz="3200" dirty="0" smtClean="0">
-                <a:latin typeface="標楷體" panose="03000509000000000000" pitchFamily="65" charset="-120"/>
-                <a:ea typeface="標楷體" panose="03000509000000000000" pitchFamily="65" charset="-120"/>
-              </a:rPr>
-              <a:t>2</a:t>
-            </a:r>
-            <a:r>
-              <a:rPr lang="zh-TW" altLang="en-US" sz="3200" dirty="0">
-                <a:latin typeface="標楷體" panose="03000509000000000000" pitchFamily="65" charset="-120"/>
-                <a:ea typeface="標楷體" panose="03000509000000000000" pitchFamily="65" charset="-120"/>
-              </a:rPr>
-              <a:t>次遲到算</a:t>
-            </a:r>
-            <a:r>
-              <a:rPr lang="en-US" altLang="zh-TW" sz="3200" dirty="0">
-                <a:latin typeface="標楷體" panose="03000509000000000000" pitchFamily="65" charset="-120"/>
-                <a:ea typeface="標楷體" panose="03000509000000000000" pitchFamily="65" charset="-120"/>
-              </a:rPr>
-              <a:t>1</a:t>
-            </a:r>
-            <a:r>
-              <a:rPr lang="zh-TW" altLang="en-US" sz="3200" dirty="0">
-                <a:latin typeface="標楷體" panose="03000509000000000000" pitchFamily="65" charset="-120"/>
-                <a:ea typeface="標楷體" panose="03000509000000000000" pitchFamily="65" charset="-120"/>
-              </a:rPr>
-              <a:t>次未到課</a:t>
-            </a:r>
-            <a:endParaRPr lang="en-US" altLang="zh-TW" sz="3200" dirty="0" smtClean="0">
-              <a:latin typeface="標楷體" panose="03000509000000000000" pitchFamily="65" charset="-120"/>
-              <a:ea typeface="標楷體" panose="03000509000000000000" pitchFamily="65" charset="-120"/>
-            </a:endParaRPr>
-          </a:p>
-          <a:p>
             <a:endParaRPr lang="en-US" altLang="zh-TW" sz="3200" dirty="0">
               <a:latin typeface="標楷體" panose="03000509000000000000" pitchFamily="65" charset="-120"/>
               <a:ea typeface="標楷體" panose="03000509000000000000" pitchFamily="65" charset="-120"/>
@@ -4792,11 +4805,51 @@
                 <a:latin typeface="標楷體" panose="03000509000000000000" pitchFamily="65" charset="-120"/>
                 <a:ea typeface="標楷體" panose="03000509000000000000" pitchFamily="65" charset="-120"/>
               </a:rPr>
-              <a:t>為加強同學上課專注度，請同學踴躍回答問題</a:t>
+              <a:t>為加強同學上課專注度，請同學踴躍回答</a:t>
+            </a:r>
+            <a:r>
+              <a:rPr lang="zh-TW" altLang="en-US" sz="3200" dirty="0" smtClean="0">
+                <a:solidFill>
+                  <a:srgbClr val="0000FF"/>
+                </a:solidFill>
+                <a:latin typeface="標楷體" panose="03000509000000000000" pitchFamily="65" charset="-120"/>
+                <a:ea typeface="標楷體" panose="03000509000000000000" pitchFamily="65" charset="-120"/>
+              </a:rPr>
+              <a:t>問題</a:t>
+            </a:r>
+            <a:r>
+              <a:rPr lang="en-US" altLang="zh-TW" sz="3200" dirty="0" smtClean="0">
+                <a:solidFill>
+                  <a:srgbClr val="FF0000"/>
+                </a:solidFill>
+                <a:latin typeface="標楷體" panose="03000509000000000000" pitchFamily="65" charset="-120"/>
+                <a:ea typeface="標楷體" panose="03000509000000000000" pitchFamily="65" charset="-120"/>
+              </a:rPr>
+              <a:t>(</a:t>
+            </a:r>
+            <a:r>
+              <a:rPr lang="zh-TW" altLang="en-US" sz="3200" dirty="0" smtClean="0">
+                <a:solidFill>
+                  <a:srgbClr val="FF0000"/>
+                </a:solidFill>
+                <a:latin typeface="標楷體" panose="03000509000000000000" pitchFamily="65" charset="-120"/>
+                <a:ea typeface="標楷體" panose="03000509000000000000" pitchFamily="65" charset="-120"/>
+              </a:rPr>
+              <a:t>課堂</a:t>
+            </a:r>
+            <a:r>
+              <a:rPr lang="en-US" altLang="zh-TW" sz="3200" dirty="0" smtClean="0">
+                <a:solidFill>
+                  <a:srgbClr val="FF0000"/>
+                </a:solidFill>
+                <a:latin typeface="標楷體" panose="03000509000000000000" pitchFamily="65" charset="-120"/>
+                <a:ea typeface="標楷體" panose="03000509000000000000" pitchFamily="65" charset="-120"/>
+              </a:rPr>
+              <a:t>)</a:t>
             </a:r>
             <a:endParaRPr lang="en-US" altLang="zh-TW" sz="3200" dirty="0">
               <a:solidFill>
-                <a:srgbClr val="0000FF"/>
+                <a:srgbClr val="FF0000"/>
               </a:solidFill>
               <a:latin typeface="標楷體" panose="03000509000000000000" pitchFamily="65" charset="-120"/>
               <a:ea typeface="標楷體" panose="03000509000000000000" pitchFamily="65" charset="-120"/>
@@ -6050,25 +6103,64 @@
             </a:r>
             <a:r>
               <a:rPr lang="zh-TW" altLang="en-US" dirty="0" smtClean="0">
-                <a:latin typeface="標楷體" panose="03000509000000000000" pitchFamily="65" charset="-120"/>
-                <a:ea typeface="標楷體" panose="03000509000000000000" pitchFamily="65" charset="-120"/>
-              </a:rPr>
-              <a:t>、使用 </a:t>
+                <a:solidFill>
+                  <a:srgbClr val="FF0000"/>
+                </a:solidFill>
+                <a:latin typeface="標楷體" panose="03000509000000000000" pitchFamily="65" charset="-120"/>
+                <a:ea typeface="標楷體" panose="03000509000000000000" pitchFamily="65" charset="-120"/>
+              </a:rPr>
+              <a:t>、</a:t>
+            </a:r>
+            <a:r>
+              <a:rPr lang="zh-TW" altLang="en-US" dirty="0" smtClean="0">
+                <a:solidFill>
+                  <a:srgbClr val="FF0000"/>
+                </a:solidFill>
+                <a:latin typeface="標楷體" panose="03000509000000000000" pitchFamily="65" charset="-120"/>
+                <a:ea typeface="標楷體" panose="03000509000000000000" pitchFamily="65" charset="-120"/>
+              </a:rPr>
+              <a:t>使用手機開啟 </a:t>
             </a:r>
             <a:r>
               <a:rPr lang="en-US" altLang="zh-TW" dirty="0" smtClean="0">
-                <a:latin typeface="標楷體" panose="03000509000000000000" pitchFamily="65" charset="-120"/>
-                <a:ea typeface="標楷體" panose="03000509000000000000" pitchFamily="65" charset="-120"/>
-              </a:rPr>
-              <a:t>http:// </a:t>
+                <a:solidFill>
+                  <a:srgbClr val="FF0000"/>
+                </a:solidFill>
+                <a:latin typeface="標楷體" panose="03000509000000000000" pitchFamily="65" charset="-120"/>
+                <a:ea typeface="標楷體" panose="03000509000000000000" pitchFamily="65" charset="-120"/>
+              </a:rPr>
+              <a:t>http</a:t>
+            </a:r>
+            <a:r>
+              <a:rPr lang="en-US" altLang="zh-TW" dirty="0" smtClean="0">
+                <a:solidFill>
+                  <a:srgbClr val="FF0000"/>
+                </a:solidFill>
+                <a:latin typeface="標楷體" panose="03000509000000000000" pitchFamily="65" charset="-120"/>
+                <a:ea typeface="標楷體" panose="03000509000000000000" pitchFamily="65" charset="-120"/>
+              </a:rPr>
+              <a:t>://... </a:t>
             </a:r>
             <a:r>
               <a:rPr lang="zh-TW" altLang="en-US" dirty="0" smtClean="0">
+                <a:solidFill>
+                  <a:srgbClr val="FF0000"/>
+                </a:solidFill>
                 <a:latin typeface="標楷體" panose="03000509000000000000" pitchFamily="65" charset="-120"/>
                 <a:ea typeface="標楷體" panose="03000509000000000000" pitchFamily="65" charset="-120"/>
               </a:rPr>
               <a:t>連線</a:t>
             </a:r>
+            <a:endParaRPr lang="en-US" altLang="zh-TW" dirty="0" smtClean="0">
+              <a:solidFill>
+                <a:srgbClr val="FF0000"/>
+              </a:solidFill>
+              <a:latin typeface="標楷體" panose="03000509000000000000" pitchFamily="65" charset="-120"/>
+              <a:ea typeface="標楷體" panose="03000509000000000000" pitchFamily="65" charset="-120"/>
+            </a:endParaRPr>
+          </a:p>
+          <a:p>
+            <a:pPr lvl="1"/>
             <a:endParaRPr lang="en-US" altLang="zh-TW" dirty="0" smtClean="0">
               <a:latin typeface="標楷體" panose="03000509000000000000" pitchFamily="65" charset="-120"/>
               <a:ea typeface="標楷體" panose="03000509000000000000" pitchFamily="65" charset="-120"/>
@@ -6076,12 +6168,114 @@
           </a:p>
           <a:p>
             <a:pPr lvl="1"/>
+            <a:endParaRPr lang="en-US" altLang="zh-TW" dirty="0">
+              <a:latin typeface="標楷體" panose="03000509000000000000" pitchFamily="65" charset="-120"/>
+              <a:ea typeface="標楷體" panose="03000509000000000000" pitchFamily="65" charset="-120"/>
+            </a:endParaRPr>
+          </a:p>
+          <a:p>
             <a:r>
               <a:rPr lang="zh-TW" altLang="en-US" dirty="0" smtClean="0">
-                <a:latin typeface="標楷體" panose="03000509000000000000" pitchFamily="65" charset="-120"/>
-                <a:ea typeface="標楷體" panose="03000509000000000000" pitchFamily="65" charset="-120"/>
-              </a:rPr>
-              <a:t>產生憑證請求檔</a:t>
+                <a:solidFill>
+                  <a:srgbClr val="0000FF"/>
+                </a:solidFill>
+                <a:latin typeface="標楷體" panose="03000509000000000000" pitchFamily="65" charset="-120"/>
+                <a:ea typeface="標楷體" panose="03000509000000000000" pitchFamily="65" charset="-120"/>
+              </a:rPr>
+              <a:t>產生</a:t>
+            </a:r>
+            <a:r>
+              <a:rPr lang="zh-TW" altLang="en-US" dirty="0" smtClean="0">
+                <a:solidFill>
+                  <a:srgbClr val="0000FF"/>
+                </a:solidFill>
+                <a:latin typeface="標楷體" panose="03000509000000000000" pitchFamily="65" charset="-120"/>
+                <a:ea typeface="標楷體" panose="03000509000000000000" pitchFamily="65" charset="-120"/>
+              </a:rPr>
+              <a:t>憑證請求</a:t>
+            </a:r>
+            <a:r>
+              <a:rPr lang="zh-TW" altLang="en-US" dirty="0" smtClean="0">
+                <a:solidFill>
+                  <a:srgbClr val="0000FF"/>
+                </a:solidFill>
+                <a:latin typeface="標楷體" panose="03000509000000000000" pitchFamily="65" charset="-120"/>
+                <a:ea typeface="標楷體" panose="03000509000000000000" pitchFamily="65" charset="-120"/>
+              </a:rPr>
+              <a:t>檔</a:t>
+            </a:r>
+            <a:endParaRPr lang="en-US" altLang="zh-TW" dirty="0" smtClean="0">
+              <a:solidFill>
+                <a:srgbClr val="0000FF"/>
+              </a:solidFill>
+              <a:latin typeface="標楷體" panose="03000509000000000000" pitchFamily="65" charset="-120"/>
+              <a:ea typeface="標楷體" panose="03000509000000000000" pitchFamily="65" charset="-120"/>
+            </a:endParaRPr>
+          </a:p>
+          <a:p>
+            <a:pPr lvl="1"/>
+            <a:r>
+              <a:rPr lang="zh-TW" altLang="en-US" dirty="0" smtClean="0">
+                <a:latin typeface="標楷體" panose="03000509000000000000" pitchFamily="65" charset="-120"/>
+                <a:ea typeface="標楷體" panose="03000509000000000000" pitchFamily="65" charset="-120"/>
+              </a:rPr>
+              <a:t>憑證請求檔</a:t>
+            </a:r>
+            <a:r>
+              <a:rPr lang="zh-TW" altLang="en-US" dirty="0">
+                <a:latin typeface="標楷體" panose="03000509000000000000" pitchFamily="65" charset="-120"/>
+                <a:ea typeface="標楷體" panose="03000509000000000000" pitchFamily="65" charset="-120"/>
+              </a:rPr>
+              <a:t>，</a:t>
+            </a:r>
+            <a:r>
+              <a:rPr lang="zh-TW" altLang="en-US" dirty="0" smtClean="0">
+                <a:latin typeface="標楷體" panose="03000509000000000000" pitchFamily="65" charset="-120"/>
+                <a:ea typeface="標楷體" panose="03000509000000000000" pitchFamily="65" charset="-120"/>
+              </a:rPr>
+              <a:t>加到 </a:t>
+            </a:r>
+            <a:r>
+              <a:rPr lang="en-US" altLang="zh-TW" dirty="0" smtClean="0">
+                <a:latin typeface="標楷體" panose="03000509000000000000" pitchFamily="65" charset="-120"/>
+                <a:ea typeface="標楷體" panose="03000509000000000000" pitchFamily="65" charset="-120"/>
+              </a:rPr>
+              <a:t>(IIS</a:t>
+            </a:r>
+            <a:r>
+              <a:rPr lang="zh-TW" altLang="en-US" dirty="0" smtClean="0">
+                <a:latin typeface="標楷體" panose="03000509000000000000" pitchFamily="65" charset="-120"/>
+                <a:ea typeface="標楷體" panose="03000509000000000000" pitchFamily="65" charset="-120"/>
+              </a:rPr>
+              <a:t>或</a:t>
+            </a:r>
+            <a:r>
+              <a:rPr lang="en-US" altLang="zh-TW" dirty="0" smtClean="0">
+                <a:latin typeface="標楷體" panose="03000509000000000000" pitchFamily="65" charset="-120"/>
+                <a:ea typeface="標楷體" panose="03000509000000000000" pitchFamily="65" charset="-120"/>
+              </a:rPr>
+              <a:t>Apache) </a:t>
+            </a:r>
+            <a:r>
+              <a:rPr lang="zh-TW" altLang="en-US" dirty="0" smtClean="0">
+                <a:latin typeface="標楷體" panose="03000509000000000000" pitchFamily="65" charset="-120"/>
+                <a:ea typeface="標楷體" panose="03000509000000000000" pitchFamily="65" charset="-120"/>
+              </a:rPr>
+              <a:t>網路伺服器</a:t>
+            </a:r>
+            <a:r>
+              <a:rPr lang="en-US" altLang="zh-TW" dirty="0" smtClean="0">
+                <a:latin typeface="標楷體" panose="03000509000000000000" pitchFamily="65" charset="-120"/>
+                <a:ea typeface="標楷體" panose="03000509000000000000" pitchFamily="65" charset="-120"/>
+              </a:rPr>
+              <a:t>(Web Server) </a:t>
+            </a:r>
+            <a:r>
+              <a:rPr lang="zh-TW" altLang="en-US" dirty="0" smtClean="0">
+                <a:latin typeface="標楷體" panose="03000509000000000000" pitchFamily="65" charset="-120"/>
+                <a:ea typeface="標楷體" panose="03000509000000000000" pitchFamily="65" charset="-120"/>
+              </a:rPr>
+              <a:t>上</a:t>
             </a:r>
             <a:endParaRPr lang="en-US" altLang="zh-TW" dirty="0" smtClean="0">
               <a:latin typeface="標楷體" panose="03000509000000000000" pitchFamily="65" charset="-120"/>
@@ -6090,6 +6284,58 @@
           </a:p>
           <a:p>
             <a:pPr lvl="1"/>
+            <a:r>
+              <a:rPr lang="zh-TW" altLang="en-US" dirty="0" smtClean="0">
+                <a:latin typeface="標楷體" panose="03000509000000000000" pitchFamily="65" charset="-120"/>
+                <a:ea typeface="標楷體" panose="03000509000000000000" pitchFamily="65" charset="-120"/>
+              </a:rPr>
+              <a:t>上述連線改用</a:t>
+            </a:r>
+            <a:r>
+              <a:rPr lang="en-US" altLang="zh-TW" dirty="0" smtClean="0">
+                <a:latin typeface="標楷體" panose="03000509000000000000" pitchFamily="65" charset="-120"/>
+                <a:ea typeface="標楷體" panose="03000509000000000000" pitchFamily="65" charset="-120"/>
+              </a:rPr>
+              <a:t>: </a:t>
+            </a:r>
+            <a:r>
+              <a:rPr lang="en-US" altLang="zh-TW" dirty="0" smtClean="0">
+                <a:latin typeface="標楷體" panose="03000509000000000000" pitchFamily="65" charset="-120"/>
+                <a:ea typeface="標楷體" panose="03000509000000000000" pitchFamily="65" charset="-120"/>
+              </a:rPr>
+              <a:t>http</a:t>
+            </a:r>
+            <a:r>
+              <a:rPr lang="en-US" altLang="zh-TW" b="1" dirty="0" smtClean="0">
+                <a:solidFill>
+                  <a:srgbClr val="FF0000"/>
+                </a:solidFill>
+                <a:latin typeface="標楷體" panose="03000509000000000000" pitchFamily="65" charset="-120"/>
+                <a:ea typeface="標楷體" panose="03000509000000000000" pitchFamily="65" charset="-120"/>
+              </a:rPr>
+              <a:t>s</a:t>
+            </a:r>
+            <a:r>
+              <a:rPr lang="en-US" altLang="zh-TW" dirty="0" smtClean="0">
+                <a:latin typeface="標楷體" panose="03000509000000000000" pitchFamily="65" charset="-120"/>
+                <a:ea typeface="標楷體" panose="03000509000000000000" pitchFamily="65" charset="-120"/>
+              </a:rPr>
+              <a:t>://... </a:t>
+            </a:r>
+            <a:r>
+              <a:rPr lang="zh-TW" altLang="en-US" dirty="0">
+                <a:latin typeface="標楷體" panose="03000509000000000000" pitchFamily="65" charset="-120"/>
+                <a:ea typeface="標楷體" panose="03000509000000000000" pitchFamily="65" charset="-120"/>
+              </a:rPr>
+              <a:t>連線</a:t>
+            </a:r>
+            <a:endParaRPr lang="en-US" altLang="zh-TW" dirty="0" smtClean="0">
+              <a:latin typeface="標楷體" panose="03000509000000000000" pitchFamily="65" charset="-120"/>
+              <a:ea typeface="標楷體" panose="03000509000000000000" pitchFamily="65" charset="-120"/>
+            </a:endParaRPr>
+          </a:p>
+          <a:p>
+            <a:pPr lvl="2"/>
             <a:r>
               <a:rPr lang="zh-TW" altLang="en-US" dirty="0" smtClean="0">
                 <a:latin typeface="標楷體" panose="03000509000000000000" pitchFamily="65" charset="-120"/>
@@ -6338,41 +6584,24 @@
                 <a:latin typeface="標楷體" panose="03000509000000000000" pitchFamily="65" charset="-120"/>
                 <a:ea typeface="標楷體" panose="03000509000000000000" pitchFamily="65" charset="-120"/>
               </a:rPr>
-              <a:t>上課</a:t>
-            </a:r>
-            <a:r>
-              <a:rPr lang="zh-TW" altLang="en-US" dirty="0" smtClean="0">
+              <a:t>上課內容</a:t>
+            </a:r>
+            <a:r>
+              <a:rPr lang="en-US" altLang="zh-TW" dirty="0" smtClean="0">
                 <a:solidFill>
                   <a:srgbClr val="0000FF"/>
                 </a:solidFill>
                 <a:latin typeface="標楷體" panose="03000509000000000000" pitchFamily="65" charset="-120"/>
                 <a:ea typeface="標楷體" panose="03000509000000000000" pitchFamily="65" charset="-120"/>
               </a:rPr>
-              <a:t>內容</a:t>
+              <a:t>:</a:t>
             </a:r>
             <a:r>
               <a:rPr lang="en-US" altLang="zh-TW" dirty="0" smtClean="0">
-                <a:solidFill>
-                  <a:srgbClr val="0000FF"/>
-                </a:solidFill>
-                <a:latin typeface="標楷體" panose="03000509000000000000" pitchFamily="65" charset="-120"/>
-                <a:ea typeface="標楷體" panose="03000509000000000000" pitchFamily="65" charset="-120"/>
-              </a:rPr>
-              <a:t>:</a:t>
-            </a:r>
-            <a:r>
-              <a:rPr lang="en-US" altLang="zh-TW" dirty="0" smtClean="0">
-                <a:latin typeface="標楷體" panose="03000509000000000000" pitchFamily="65" charset="-120"/>
-                <a:ea typeface="標楷體" panose="03000509000000000000" pitchFamily="65" charset="-120"/>
-              </a:rPr>
-              <a:t>G</a:t>
-            </a:r>
-            <a:r>
-              <a:rPr lang="en-US" altLang="zh-TW" dirty="0" smtClean="0">
-                <a:latin typeface="標楷體" panose="03000509000000000000" pitchFamily="65" charset="-120"/>
-                <a:ea typeface="標楷體" panose="03000509000000000000" pitchFamily="65" charset="-120"/>
-              </a:rPr>
-              <a:t>oogle Classroom  </a:t>
+                <a:latin typeface="標楷體" panose="03000509000000000000" pitchFamily="65" charset="-120"/>
+                <a:ea typeface="標楷體" panose="03000509000000000000" pitchFamily="65" charset="-120"/>
+              </a:rPr>
+              <a:t>Google Classroom  </a:t>
             </a:r>
             <a:r>
               <a:rPr lang="zh-TW" altLang="en-US" dirty="0" smtClean="0">

--- a/1-1.課堂規定及評量標準.pptx
+++ b/1-1.課堂規定及評量標準.pptx
@@ -203,7 +203,7 @@
           <a:p>
             <a:fld id="{31A8676C-D457-4A0B-9C91-83939419494E}" type="datetimeFigureOut">
               <a:rPr lang="zh-TW" altLang="en-US" smtClean="0"/>
-              <a:t>2025/9/4</a:t>
+              <a:t>2025/9/30</a:t>
             </a:fld>
             <a:endParaRPr lang="zh-TW" altLang="en-US"/>
           </a:p>
@@ -691,7 +691,7 @@
           <a:p>
             <a:fld id="{6930F9A4-4469-4216-8732-74830AAB3356}" type="datetimeFigureOut">
               <a:rPr lang="zh-TW" altLang="en-US" smtClean="0"/>
-              <a:t>2025/9/4</a:t>
+              <a:t>2025/9/30</a:t>
             </a:fld>
             <a:endParaRPr lang="zh-TW" altLang="en-US"/>
           </a:p>
@@ -861,7 +861,7 @@
           <a:p>
             <a:fld id="{6930F9A4-4469-4216-8732-74830AAB3356}" type="datetimeFigureOut">
               <a:rPr lang="zh-TW" altLang="en-US" smtClean="0"/>
-              <a:t>2025/9/4</a:t>
+              <a:t>2025/9/30</a:t>
             </a:fld>
             <a:endParaRPr lang="zh-TW" altLang="en-US"/>
           </a:p>
@@ -1041,7 +1041,7 @@
           <a:p>
             <a:fld id="{6930F9A4-4469-4216-8732-74830AAB3356}" type="datetimeFigureOut">
               <a:rPr lang="zh-TW" altLang="en-US" smtClean="0"/>
-              <a:t>2025/9/4</a:t>
+              <a:t>2025/9/30</a:t>
             </a:fld>
             <a:endParaRPr lang="zh-TW" altLang="en-US"/>
           </a:p>
@@ -1211,7 +1211,7 @@
           <a:p>
             <a:fld id="{6930F9A4-4469-4216-8732-74830AAB3356}" type="datetimeFigureOut">
               <a:rPr lang="zh-TW" altLang="en-US" smtClean="0"/>
-              <a:t>2025/9/4</a:t>
+              <a:t>2025/9/30</a:t>
             </a:fld>
             <a:endParaRPr lang="zh-TW" altLang="en-US"/>
           </a:p>
@@ -1457,7 +1457,7 @@
           <a:p>
             <a:fld id="{6930F9A4-4469-4216-8732-74830AAB3356}" type="datetimeFigureOut">
               <a:rPr lang="zh-TW" altLang="en-US" smtClean="0"/>
-              <a:t>2025/9/4</a:t>
+              <a:t>2025/9/30</a:t>
             </a:fld>
             <a:endParaRPr lang="zh-TW" altLang="en-US"/>
           </a:p>
@@ -1689,7 +1689,7 @@
           <a:p>
             <a:fld id="{6930F9A4-4469-4216-8732-74830AAB3356}" type="datetimeFigureOut">
               <a:rPr lang="zh-TW" altLang="en-US" smtClean="0"/>
-              <a:t>2025/9/4</a:t>
+              <a:t>2025/9/30</a:t>
             </a:fld>
             <a:endParaRPr lang="zh-TW" altLang="en-US"/>
           </a:p>
@@ -2056,7 +2056,7 @@
           <a:p>
             <a:fld id="{6930F9A4-4469-4216-8732-74830AAB3356}" type="datetimeFigureOut">
               <a:rPr lang="zh-TW" altLang="en-US" smtClean="0"/>
-              <a:t>2025/9/4</a:t>
+              <a:t>2025/9/30</a:t>
             </a:fld>
             <a:endParaRPr lang="zh-TW" altLang="en-US"/>
           </a:p>
@@ -2174,7 +2174,7 @@
           <a:p>
             <a:fld id="{6930F9A4-4469-4216-8732-74830AAB3356}" type="datetimeFigureOut">
               <a:rPr lang="zh-TW" altLang="en-US" smtClean="0"/>
-              <a:t>2025/9/4</a:t>
+              <a:t>2025/9/30</a:t>
             </a:fld>
             <a:endParaRPr lang="zh-TW" altLang="en-US"/>
           </a:p>
@@ -2269,7 +2269,7 @@
           <a:p>
             <a:fld id="{6930F9A4-4469-4216-8732-74830AAB3356}" type="datetimeFigureOut">
               <a:rPr lang="zh-TW" altLang="en-US" smtClean="0"/>
-              <a:t>2025/9/4</a:t>
+              <a:t>2025/9/30</a:t>
             </a:fld>
             <a:endParaRPr lang="zh-TW" altLang="en-US"/>
           </a:p>
@@ -2546,7 +2546,7 @@
           <a:p>
             <a:fld id="{6930F9A4-4469-4216-8732-74830AAB3356}" type="datetimeFigureOut">
               <a:rPr lang="zh-TW" altLang="en-US" smtClean="0"/>
-              <a:t>2025/9/4</a:t>
+              <a:t>2025/9/30</a:t>
             </a:fld>
             <a:endParaRPr lang="zh-TW" altLang="en-US"/>
           </a:p>
@@ -2799,7 +2799,7 @@
           <a:p>
             <a:fld id="{6930F9A4-4469-4216-8732-74830AAB3356}" type="datetimeFigureOut">
               <a:rPr lang="zh-TW" altLang="en-US" smtClean="0"/>
-              <a:t>2025/9/4</a:t>
+              <a:t>2025/9/30</a:t>
             </a:fld>
             <a:endParaRPr lang="zh-TW" altLang="en-US"/>
           </a:p>
@@ -3012,7 +3012,7 @@
           <a:p>
             <a:fld id="{6930F9A4-4469-4216-8732-74830AAB3356}" type="datetimeFigureOut">
               <a:rPr lang="zh-TW" altLang="en-US" smtClean="0"/>
-              <a:t>2025/9/4</a:t>
+              <a:t>2025/9/30</a:t>
             </a:fld>
             <a:endParaRPr lang="zh-TW" altLang="en-US"/>
           </a:p>
@@ -4690,35 +4690,21 @@
                 <a:latin typeface="標楷體" panose="03000509000000000000" pitchFamily="65" charset="-120"/>
                 <a:ea typeface="標楷體" panose="03000509000000000000" pitchFamily="65" charset="-120"/>
               </a:rPr>
-              <a:t>想睡覺</a:t>
+              <a:t>想睡覺的</a:t>
+            </a:r>
+            <a:r>
+              <a:rPr lang="en-US" altLang="zh-TW" sz="3200" dirty="0" smtClean="0">
+                <a:latin typeface="標楷體" panose="03000509000000000000" pitchFamily="65" charset="-120"/>
+                <a:ea typeface="標楷體" panose="03000509000000000000" pitchFamily="65" charset="-120"/>
+              </a:rPr>
+              <a:t>:</a:t>
             </a:r>
             <a:r>
               <a:rPr lang="zh-TW" altLang="en-US" sz="3200" dirty="0" smtClean="0">
                 <a:latin typeface="標楷體" panose="03000509000000000000" pitchFamily="65" charset="-120"/>
                 <a:ea typeface="標楷體" panose="03000509000000000000" pitchFamily="65" charset="-120"/>
               </a:rPr>
-              <a:t>的</a:t>
-            </a:r>
-            <a:r>
-              <a:rPr lang="en-US" altLang="zh-TW" sz="3200" dirty="0" smtClean="0">
-                <a:latin typeface="標楷體" panose="03000509000000000000" pitchFamily="65" charset="-120"/>
-                <a:ea typeface="標楷體" panose="03000509000000000000" pitchFamily="65" charset="-120"/>
-              </a:rPr>
-              <a:t>:</a:t>
-            </a:r>
-            <a:r>
-              <a:rPr lang="zh-TW" altLang="en-US" sz="3200" dirty="0" smtClean="0">
-                <a:latin typeface="標楷體" panose="03000509000000000000" pitchFamily="65" charset="-120"/>
-                <a:ea typeface="標楷體" panose="03000509000000000000" pitchFamily="65" charset="-120"/>
-              </a:rPr>
-              <a:t>建議</a:t>
-            </a:r>
-            <a:r>
-              <a:rPr lang="zh-TW" altLang="en-US" sz="3200" dirty="0" smtClean="0">
-                <a:latin typeface="標楷體" panose="03000509000000000000" pitchFamily="65" charset="-120"/>
-                <a:ea typeface="標楷體" panose="03000509000000000000" pitchFamily="65" charset="-120"/>
-              </a:rPr>
-              <a:t>洗臉</a:t>
+              <a:t>建議洗臉</a:t>
             </a:r>
             <a:r>
               <a:rPr lang="zh-TW" altLang="en-US" sz="3200" dirty="0" smtClean="0">
@@ -4805,17 +4791,7 @@
                 <a:latin typeface="標楷體" panose="03000509000000000000" pitchFamily="65" charset="-120"/>
                 <a:ea typeface="標楷體" panose="03000509000000000000" pitchFamily="65" charset="-120"/>
               </a:rPr>
-              <a:t>為加強同學上課專注度，請同學踴躍回答</a:t>
-            </a:r>
-            <a:r>
-              <a:rPr lang="zh-TW" altLang="en-US" sz="3200" dirty="0" smtClean="0">
-                <a:solidFill>
-                  <a:srgbClr val="0000FF"/>
-                </a:solidFill>
-                <a:latin typeface="標楷體" panose="03000509000000000000" pitchFamily="65" charset="-120"/>
-                <a:ea typeface="標楷體" panose="03000509000000000000" pitchFamily="65" charset="-120"/>
-              </a:rPr>
-              <a:t>問題</a:t>
+              <a:t>為加強同學上課專注度，請同學踴躍回答問題</a:t>
             </a:r>
             <a:r>
               <a:rPr lang="en-US" altLang="zh-TW" sz="3200" dirty="0" smtClean="0">
@@ -5537,6 +5513,36 @@
               <a:t>: </a:t>
             </a:r>
             <a:r>
+              <a:rPr lang="zh-TW" altLang="en-US" dirty="0" smtClean="0">
+                <a:solidFill>
+                  <a:srgbClr val="0000FF"/>
+                </a:solidFill>
+                <a:latin typeface="標楷體" panose="03000509000000000000" pitchFamily="65" charset="-120"/>
+                <a:ea typeface="標楷體" panose="03000509000000000000" pitchFamily="65" charset="-120"/>
+              </a:rPr>
+              <a:t>掃毒</a:t>
+            </a:r>
+            <a:r>
+              <a:rPr lang="en-US" altLang="zh-TW" dirty="0" smtClean="0">
+                <a:solidFill>
+                  <a:srgbClr val="0000FF"/>
+                </a:solidFill>
+                <a:latin typeface="標楷體" panose="03000509000000000000" pitchFamily="65" charset="-120"/>
+                <a:ea typeface="標楷體" panose="03000509000000000000" pitchFamily="65" charset="-120"/>
+              </a:rPr>
+              <a:t>/</a:t>
+            </a:r>
+            <a:r>
+              <a:rPr lang="zh-TW" altLang="en-US" dirty="0" smtClean="0">
+                <a:solidFill>
+                  <a:srgbClr val="0000FF"/>
+                </a:solidFill>
+                <a:latin typeface="標楷體" panose="03000509000000000000" pitchFamily="65" charset="-120"/>
+                <a:ea typeface="標楷體" panose="03000509000000000000" pitchFamily="65" charset="-120"/>
+              </a:rPr>
+              <a:t>防毒</a:t>
+            </a:r>
+            <a:r>
               <a:rPr lang="zh-TW" altLang="en-US" dirty="0">
                 <a:solidFill>
                   <a:srgbClr val="0000FF"/>
@@ -5544,7 +5550,7 @@
                 <a:latin typeface="標楷體" panose="03000509000000000000" pitchFamily="65" charset="-120"/>
                 <a:ea typeface="標楷體" panose="03000509000000000000" pitchFamily="65" charset="-120"/>
               </a:rPr>
-              <a:t>掃毒、防毒、防火牆設定</a:t>
+              <a:t>、防火牆設定</a:t>
             </a:r>
             <a:r>
               <a:rPr lang="zh-TW" altLang="en-US" b="1" kern="0" dirty="0">
@@ -5737,50 +5743,61 @@
                 <a:latin typeface="標楷體" panose="03000509000000000000" pitchFamily="65" charset="-120"/>
                 <a:ea typeface="標楷體" panose="03000509000000000000" pitchFamily="65" charset="-120"/>
               </a:rPr>
-              <a:t>老師指定的學長驗收（分成三週</a:t>
-            </a:r>
-            <a:r>
-              <a:rPr lang="en-US" altLang="zh-TW" kern="0" dirty="0">
-                <a:latin typeface="標楷體" panose="03000509000000000000" pitchFamily="65" charset="-120"/>
-                <a:ea typeface="標楷體" panose="03000509000000000000" pitchFamily="65" charset="-120"/>
-              </a:rPr>
-              <a:t>100</a:t>
-            </a:r>
-            <a:r>
-              <a:rPr lang="zh-TW" altLang="en-US" kern="0" dirty="0">
+              <a:t>老師指定的學長驗收（分成三</a:t>
+            </a:r>
+            <a:r>
+              <a:rPr lang="zh-TW" altLang="en-US" kern="0" dirty="0" smtClean="0">
+                <a:latin typeface="標楷體" panose="03000509000000000000" pitchFamily="65" charset="-120"/>
+                <a:ea typeface="標楷體" panose="03000509000000000000" pitchFamily="65" charset="-120"/>
+              </a:rPr>
+              <a:t>週</a:t>
+            </a:r>
+            <a:r>
+              <a:rPr lang="en-US" altLang="zh-TW" kern="0" dirty="0" smtClean="0">
+                <a:latin typeface="標楷體" panose="03000509000000000000" pitchFamily="65" charset="-120"/>
+                <a:ea typeface="標楷體" panose="03000509000000000000" pitchFamily="65" charset="-120"/>
+              </a:rPr>
+              <a:t>*1.1</a:t>
+            </a:r>
+            <a:r>
+              <a:rPr lang="zh-TW" altLang="en-US" kern="0" dirty="0" smtClean="0">
                 <a:latin typeface="標楷體" panose="03000509000000000000" pitchFamily="65" charset="-120"/>
                 <a:ea typeface="標楷體" panose="03000509000000000000" pitchFamily="65" charset="-120"/>
               </a:rPr>
               <a:t>、</a:t>
             </a:r>
             <a:r>
-              <a:rPr lang="en-US" altLang="zh-TW" kern="0" dirty="0">
-                <a:latin typeface="標楷體" panose="03000509000000000000" pitchFamily="65" charset="-120"/>
-                <a:ea typeface="標楷體" panose="03000509000000000000" pitchFamily="65" charset="-120"/>
-              </a:rPr>
-              <a:t>90</a:t>
-            </a:r>
-            <a:r>
-              <a:rPr lang="zh-TW" altLang="en-US" kern="0" dirty="0">
+              <a:rPr lang="en-US" altLang="zh-TW" kern="0" dirty="0" smtClean="0">
+                <a:latin typeface="標楷體" panose="03000509000000000000" pitchFamily="65" charset="-120"/>
+                <a:ea typeface="標楷體" panose="03000509000000000000" pitchFamily="65" charset="-120"/>
+              </a:rPr>
+              <a:t>*1</a:t>
+            </a:r>
+            <a:r>
+              <a:rPr lang="zh-TW" altLang="en-US" kern="0" dirty="0" smtClean="0">
                 <a:latin typeface="標楷體" panose="03000509000000000000" pitchFamily="65" charset="-120"/>
                 <a:ea typeface="標楷體" panose="03000509000000000000" pitchFamily="65" charset="-120"/>
               </a:rPr>
               <a:t>、</a:t>
             </a:r>
             <a:r>
-              <a:rPr lang="en-US" altLang="zh-TW" kern="0" dirty="0">
-                <a:latin typeface="標楷體" panose="03000509000000000000" pitchFamily="65" charset="-120"/>
-                <a:ea typeface="標楷體" panose="03000509000000000000" pitchFamily="65" charset="-120"/>
-              </a:rPr>
-              <a:t>80</a:t>
-            </a:r>
-            <a:r>
-              <a:rPr lang="en-US" altLang="zh-TW" kern="0" dirty="0">
+              <a:rPr lang="en-US" altLang="zh-TW" kern="0" smtClean="0">
+                <a:latin typeface="標楷體" panose="03000509000000000000" pitchFamily="65" charset="-120"/>
+                <a:ea typeface="標楷體" panose="03000509000000000000" pitchFamily="65" charset="-120"/>
+              </a:rPr>
+              <a:t>*0.95</a:t>
+            </a:r>
+            <a:r>
+              <a:rPr lang="en-US" altLang="zh-TW" kern="0" smtClean="0">
                 <a:latin typeface="PMingLiU" panose="02020500000000000000" pitchFamily="18" charset="-120"/>
                 <a:ea typeface="PMingLiU" panose="02020500000000000000" pitchFamily="18" charset="-120"/>
               </a:rPr>
               <a:t>)</a:t>
             </a:r>
+            <a:endParaRPr lang="en-US" altLang="zh-TW" kern="0" dirty="0">
+              <a:latin typeface="PMingLiU" panose="02020500000000000000" pitchFamily="18" charset="-120"/>
+              <a:ea typeface="PMingLiU" panose="02020500000000000000" pitchFamily="18" charset="-120"/>
+            </a:endParaRPr>
           </a:p>
           <a:p>
             <a:pPr lvl="1"/>
@@ -6109,37 +6126,17 @@
                 <a:latin typeface="標楷體" panose="03000509000000000000" pitchFamily="65" charset="-120"/>
                 <a:ea typeface="標楷體" panose="03000509000000000000" pitchFamily="65" charset="-120"/>
               </a:rPr>
-              <a:t>、</a:t>
-            </a:r>
-            <a:r>
-              <a:rPr lang="zh-TW" altLang="en-US" dirty="0" smtClean="0">
+              <a:t>、使用手機開啟 </a:t>
+            </a:r>
+            <a:r>
+              <a:rPr lang="en-US" altLang="zh-TW" dirty="0" smtClean="0">
                 <a:solidFill>
                   <a:srgbClr val="FF0000"/>
                 </a:solidFill>
                 <a:latin typeface="標楷體" panose="03000509000000000000" pitchFamily="65" charset="-120"/>
                 <a:ea typeface="標楷體" panose="03000509000000000000" pitchFamily="65" charset="-120"/>
               </a:rPr>
-              <a:t>使用手機開啟 </a:t>
-            </a:r>
-            <a:r>
-              <a:rPr lang="en-US" altLang="zh-TW" dirty="0" smtClean="0">
-                <a:solidFill>
-                  <a:srgbClr val="FF0000"/>
-                </a:solidFill>
-                <a:latin typeface="標楷體" panose="03000509000000000000" pitchFamily="65" charset="-120"/>
-                <a:ea typeface="標楷體" panose="03000509000000000000" pitchFamily="65" charset="-120"/>
-              </a:rPr>
-              <a:t>http</a:t>
-            </a:r>
-            <a:r>
-              <a:rPr lang="en-US" altLang="zh-TW" dirty="0" smtClean="0">
-                <a:solidFill>
-                  <a:srgbClr val="FF0000"/>
-                </a:solidFill>
-                <a:latin typeface="標楷體" panose="03000509000000000000" pitchFamily="65" charset="-120"/>
-                <a:ea typeface="標楷體" panose="03000509000000000000" pitchFamily="65" charset="-120"/>
-              </a:rPr>
-              <a:t>://... </a:t>
+              <a:t>http://... </a:t>
             </a:r>
             <a:r>
               <a:rPr lang="zh-TW" altLang="en-US" dirty="0" smtClean="0">
@@ -6182,27 +6179,7 @@
                 <a:latin typeface="標楷體" panose="03000509000000000000" pitchFamily="65" charset="-120"/>
                 <a:ea typeface="標楷體" panose="03000509000000000000" pitchFamily="65" charset="-120"/>
               </a:rPr>
-              <a:t>產生</a:t>
-            </a:r>
-            <a:r>
-              <a:rPr lang="zh-TW" altLang="en-US" dirty="0" smtClean="0">
-                <a:solidFill>
-                  <a:srgbClr val="0000FF"/>
-                </a:solidFill>
-                <a:latin typeface="標楷體" panose="03000509000000000000" pitchFamily="65" charset="-120"/>
-                <a:ea typeface="標楷體" panose="03000509000000000000" pitchFamily="65" charset="-120"/>
-              </a:rPr>
-              <a:t>憑證請求</a:t>
-            </a:r>
-            <a:r>
-              <a:rPr lang="zh-TW" altLang="en-US" dirty="0" smtClean="0">
-                <a:solidFill>
-                  <a:srgbClr val="0000FF"/>
-                </a:solidFill>
-                <a:latin typeface="標楷體" panose="03000509000000000000" pitchFamily="65" charset="-120"/>
-                <a:ea typeface="標楷體" panose="03000509000000000000" pitchFamily="65" charset="-120"/>
-              </a:rPr>
-              <a:t>檔</a:t>
+              <a:t>產生憑證請求檔</a:t>
             </a:r>
             <a:endParaRPr lang="en-US" altLang="zh-TW" dirty="0" smtClean="0">
               <a:solidFill>
@@ -6296,14 +6273,7 @@
                 <a:latin typeface="標楷體" panose="03000509000000000000" pitchFamily="65" charset="-120"/>
                 <a:ea typeface="標楷體" panose="03000509000000000000" pitchFamily="65" charset="-120"/>
               </a:rPr>
-              <a:t>: </a:t>
-            </a:r>
-            <a:r>
-              <a:rPr lang="en-US" altLang="zh-TW" dirty="0" smtClean="0">
-                <a:latin typeface="標楷體" panose="03000509000000000000" pitchFamily="65" charset="-120"/>
-                <a:ea typeface="標楷體" panose="03000509000000000000" pitchFamily="65" charset="-120"/>
-              </a:rPr>
-              <a:t>http</a:t>
+              <a:t>: http</a:t>
             </a:r>
             <a:r>
               <a:rPr lang="en-US" altLang="zh-TW" b="1" dirty="0" smtClean="0">
